--- a/tutorial/Exam management system.pptx
+++ b/tutorial/Exam management system.pptx
@@ -156,6 +156,11 @@
       </a:defRPr>
     </a:lvl9pPr>
   </p:defaultTextStyle>
+  <p:extLst>
+    <p:ext uri="{EFAFB233-063F-42B5-8137-9DF3F51BA10A}">
+      <p15:sldGuideLst xmlns:p15="http://schemas.microsoft.com/office/powerpoint/2012/main"/>
+    </p:ext>
+  </p:extLst>
 </p:presentation>
 </file>
 
@@ -8952,7 +8957,7 @@
           <a:p>
             <a:fld id="{5885B4FF-EA2F-4EEF-9C70-2A307243820D}" type="datetimeFigureOut">
               <a:rPr lang="en-US" smtClean="0"/>
-              <a:t>17-Dec-17</a:t>
+              <a:t>19-Dec-17</a:t>
             </a:fld>
             <a:endParaRPr lang="en-US"/>
           </a:p>
@@ -9159,7 +9164,7 @@
           <a:p>
             <a:fld id="{5885B4FF-EA2F-4EEF-9C70-2A307243820D}" type="datetimeFigureOut">
               <a:rPr lang="en-US" smtClean="0"/>
-              <a:t>17-Dec-17</a:t>
+              <a:t>19-Dec-17</a:t>
             </a:fld>
             <a:endParaRPr lang="en-US"/>
           </a:p>
@@ -9339,7 +9344,7 @@
           <a:p>
             <a:fld id="{5885B4FF-EA2F-4EEF-9C70-2A307243820D}" type="datetimeFigureOut">
               <a:rPr lang="en-US" smtClean="0"/>
-              <a:t>17-Dec-17</a:t>
+              <a:t>19-Dec-17</a:t>
             </a:fld>
             <a:endParaRPr lang="en-US"/>
           </a:p>
@@ -9544,7 +9549,7 @@
           <a:p>
             <a:fld id="{5885B4FF-EA2F-4EEF-9C70-2A307243820D}" type="datetimeFigureOut">
               <a:rPr lang="en-US" smtClean="0"/>
-              <a:t>17-Dec-17</a:t>
+              <a:t>19-Dec-17</a:t>
             </a:fld>
             <a:endParaRPr lang="en-US"/>
           </a:p>
@@ -18442,7 +18447,7 @@
           <a:p>
             <a:fld id="{5885B4FF-EA2F-4EEF-9C70-2A307243820D}" type="datetimeFigureOut">
               <a:rPr lang="en-US" smtClean="0"/>
-              <a:t>17-Dec-17</a:t>
+              <a:t>19-Dec-17</a:t>
             </a:fld>
             <a:endParaRPr lang="en-US"/>
           </a:p>
@@ -18716,7 +18721,7 @@
           <a:p>
             <a:fld id="{5885B4FF-EA2F-4EEF-9C70-2A307243820D}" type="datetimeFigureOut">
               <a:rPr lang="en-US" smtClean="0"/>
-              <a:t>17-Dec-17</a:t>
+              <a:t>19-Dec-17</a:t>
             </a:fld>
             <a:endParaRPr lang="en-US"/>
           </a:p>
@@ -19114,7 +19119,7 @@
           <a:p>
             <a:fld id="{5885B4FF-EA2F-4EEF-9C70-2A307243820D}" type="datetimeFigureOut">
               <a:rPr lang="en-US" smtClean="0"/>
-              <a:t>17-Dec-17</a:t>
+              <a:t>19-Dec-17</a:t>
             </a:fld>
             <a:endParaRPr lang="en-US"/>
           </a:p>
@@ -19232,7 +19237,7 @@
           <a:p>
             <a:fld id="{5885B4FF-EA2F-4EEF-9C70-2A307243820D}" type="datetimeFigureOut">
               <a:rPr lang="en-US" smtClean="0"/>
-              <a:t>17-Dec-17</a:t>
+              <a:t>19-Dec-17</a:t>
             </a:fld>
             <a:endParaRPr lang="en-US"/>
           </a:p>
@@ -19327,7 +19332,7 @@
           <a:p>
             <a:fld id="{5885B4FF-EA2F-4EEF-9C70-2A307243820D}" type="datetimeFigureOut">
               <a:rPr lang="en-US" smtClean="0"/>
-              <a:t>17-Dec-17</a:t>
+              <a:t>19-Dec-17</a:t>
             </a:fld>
             <a:endParaRPr lang="en-US"/>
           </a:p>
@@ -19617,7 +19622,7 @@
           <a:p>
             <a:fld id="{5885B4FF-EA2F-4EEF-9C70-2A307243820D}" type="datetimeFigureOut">
               <a:rPr lang="en-US" smtClean="0"/>
-              <a:t>17-Dec-17</a:t>
+              <a:t>19-Dec-17</a:t>
             </a:fld>
             <a:endParaRPr lang="en-US"/>
           </a:p>
@@ -19897,7 +19902,7 @@
           <a:p>
             <a:fld id="{5885B4FF-EA2F-4EEF-9C70-2A307243820D}" type="datetimeFigureOut">
               <a:rPr lang="en-US" smtClean="0"/>
-              <a:t>17-Dec-17</a:t>
+              <a:t>19-Dec-17</a:t>
             </a:fld>
             <a:endParaRPr lang="en-US"/>
           </a:p>
@@ -20147,7 +20152,7 @@
           <a:p>
             <a:fld id="{5885B4FF-EA2F-4EEF-9C70-2A307243820D}" type="datetimeFigureOut">
               <a:rPr lang="en-US" smtClean="0"/>
-              <a:t>17-Dec-17</a:t>
+              <a:t>19-Dec-17</a:t>
             </a:fld>
             <a:endParaRPr lang="en-US"/>
           </a:p>
